--- a/Uniaxial strain test calibration/Uniaxial test.pptx
+++ b/Uniaxial strain test calibration/Uniaxial test.pptx
@@ -220,7 +220,7 @@
           <a:p>
             <a:fld id="{EB033B41-5916-4B0F-ABD7-E44CB5BFDEA7}" type="datetimeFigureOut">
               <a:rPr lang="en-US" smtClean="0"/>
-              <a:t>4/2/2024</a:t>
+              <a:t>5/14/2024</a:t>
             </a:fld>
             <a:endParaRPr lang="en-US"/>
           </a:p>
@@ -634,7 +634,7 @@
           <a:p>
             <a:fld id="{4FC11E3B-EF57-4989-9A3F-CE8491983F07}" type="datetimeFigureOut">
               <a:rPr lang="en-US" smtClean="0"/>
-              <a:t>4/2/2024</a:t>
+              <a:t>5/14/2024</a:t>
             </a:fld>
             <a:endParaRPr lang="en-US"/>
           </a:p>
@@ -832,7 +832,7 @@
           <a:p>
             <a:fld id="{4FC11E3B-EF57-4989-9A3F-CE8491983F07}" type="datetimeFigureOut">
               <a:rPr lang="en-US" smtClean="0"/>
-              <a:t>4/2/2024</a:t>
+              <a:t>5/14/2024</a:t>
             </a:fld>
             <a:endParaRPr lang="en-US"/>
           </a:p>
@@ -1040,7 +1040,7 @@
           <a:p>
             <a:fld id="{4FC11E3B-EF57-4989-9A3F-CE8491983F07}" type="datetimeFigureOut">
               <a:rPr lang="en-US" smtClean="0"/>
-              <a:t>4/2/2024</a:t>
+              <a:t>5/14/2024</a:t>
             </a:fld>
             <a:endParaRPr lang="en-US"/>
           </a:p>
@@ -1238,7 +1238,7 @@
           <a:p>
             <a:fld id="{4FC11E3B-EF57-4989-9A3F-CE8491983F07}" type="datetimeFigureOut">
               <a:rPr lang="en-US" smtClean="0"/>
-              <a:t>4/2/2024</a:t>
+              <a:t>5/14/2024</a:t>
             </a:fld>
             <a:endParaRPr lang="en-US"/>
           </a:p>
@@ -1513,7 +1513,7 @@
           <a:p>
             <a:fld id="{4FC11E3B-EF57-4989-9A3F-CE8491983F07}" type="datetimeFigureOut">
               <a:rPr lang="en-US" smtClean="0"/>
-              <a:t>4/2/2024</a:t>
+              <a:t>5/14/2024</a:t>
             </a:fld>
             <a:endParaRPr lang="en-US"/>
           </a:p>
@@ -1778,7 +1778,7 @@
           <a:p>
             <a:fld id="{4FC11E3B-EF57-4989-9A3F-CE8491983F07}" type="datetimeFigureOut">
               <a:rPr lang="en-US" smtClean="0"/>
-              <a:t>4/2/2024</a:t>
+              <a:t>5/14/2024</a:t>
             </a:fld>
             <a:endParaRPr lang="en-US"/>
           </a:p>
@@ -2190,7 +2190,7 @@
           <a:p>
             <a:fld id="{4FC11E3B-EF57-4989-9A3F-CE8491983F07}" type="datetimeFigureOut">
               <a:rPr lang="en-US" smtClean="0"/>
-              <a:t>4/2/2024</a:t>
+              <a:t>5/14/2024</a:t>
             </a:fld>
             <a:endParaRPr lang="en-US"/>
           </a:p>
@@ -2331,7 +2331,7 @@
           <a:p>
             <a:fld id="{4FC11E3B-EF57-4989-9A3F-CE8491983F07}" type="datetimeFigureOut">
               <a:rPr lang="en-US" smtClean="0"/>
-              <a:t>4/2/2024</a:t>
+              <a:t>5/14/2024</a:t>
             </a:fld>
             <a:endParaRPr lang="en-US"/>
           </a:p>
@@ -2444,7 +2444,7 @@
           <a:p>
             <a:fld id="{4FC11E3B-EF57-4989-9A3F-CE8491983F07}" type="datetimeFigureOut">
               <a:rPr lang="en-US" smtClean="0"/>
-              <a:t>4/2/2024</a:t>
+              <a:t>5/14/2024</a:t>
             </a:fld>
             <a:endParaRPr lang="en-US"/>
           </a:p>
@@ -2755,7 +2755,7 @@
           <a:p>
             <a:fld id="{4FC11E3B-EF57-4989-9A3F-CE8491983F07}" type="datetimeFigureOut">
               <a:rPr lang="en-US" smtClean="0"/>
-              <a:t>4/2/2024</a:t>
+              <a:t>5/14/2024</a:t>
             </a:fld>
             <a:endParaRPr lang="en-US"/>
           </a:p>
@@ -3043,7 +3043,7 @@
           <a:p>
             <a:fld id="{4FC11E3B-EF57-4989-9A3F-CE8491983F07}" type="datetimeFigureOut">
               <a:rPr lang="en-US" smtClean="0"/>
-              <a:t>4/2/2024</a:t>
+              <a:t>5/14/2024</a:t>
             </a:fld>
             <a:endParaRPr lang="en-US"/>
           </a:p>
@@ -3284,7 +3284,7 @@
           <a:p>
             <a:fld id="{4FC11E3B-EF57-4989-9A3F-CE8491983F07}" type="datetimeFigureOut">
               <a:rPr lang="en-US" smtClean="0"/>
-              <a:t>4/2/2024</a:t>
+              <a:t>5/14/2024</a:t>
             </a:fld>
             <a:endParaRPr lang="en-US"/>
           </a:p>
@@ -4574,7 +4574,7 @@
                 <a:latin typeface="Times New Roman" panose="02020603050405020304" pitchFamily="18" charset="0"/>
                 <a:cs typeface="Times New Roman" panose="02020603050405020304" pitchFamily="18" charset="0"/>
               </a:rPr>
-              <a:t>0.002</a:t>
+              <a:t>0.001</a:t>
             </a:r>
           </a:p>
         </p:txBody>
